--- a/Data/Presentation/S01G06.pptx
+++ b/Data/Presentation/S01G06.pptx
@@ -11,7 +11,9 @@
     <p:sldId id="260" r:id="rId5"/>
     <p:sldId id="257" r:id="rId6"/>
     <p:sldId id="262" r:id="rId7"/>
-    <p:sldId id="261" r:id="rId8"/>
+    <p:sldId id="263" r:id="rId8"/>
+    <p:sldId id="261" r:id="rId9"/>
+    <p:sldId id="264" r:id="rId10"/>
   </p:sldIdLst>
   <p:sldSz cx="12192000" cy="6858000"/>
   <p:notesSz cx="6858000" cy="9144000"/>
@@ -110,6 +112,11 @@
       </a:defRPr>
     </a:lvl9pPr>
   </p:defaultTextStyle>
+  <p:extLst>
+    <p:ext uri="{EFAFB233-063F-42B5-8137-9DF3F51BA10A}">
+      <p15:sldGuideLst xmlns:p15="http://schemas.microsoft.com/office/powerpoint/2012/main"/>
+    </p:ext>
+  </p:extLst>
 </p:presentation>
 </file>
 
@@ -4343,13 +4350,13 @@
   <p:clrMapOvr>
     <a:masterClrMapping/>
   </p:clrMapOvr>
-  <mc:AlternateContent xmlns:mc="http://schemas.openxmlformats.org/markup-compatibility/2006">
-    <mc:Choice xmlns:p159="http://schemas.microsoft.com/office/powerpoint/2015/09/main" Requires="p159">
+  <mc:AlternateContent xmlns:mc="http://schemas.openxmlformats.org/markup-compatibility/2006" xmlns:p159="http://schemas.microsoft.com/office/powerpoint/2015/09/main">
+    <mc:Choice Requires="p159">
       <p:transition spd="med">
         <p159:morph option="byObject"/>
       </p:transition>
     </mc:Choice>
-    <mc:Fallback>
+    <mc:Fallback xmlns="">
       <p:transition spd="med">
         <p:fade/>
       </p:transition>
@@ -5012,13 +5019,13 @@
   <p:clrMapOvr>
     <a:masterClrMapping/>
   </p:clrMapOvr>
-  <mc:AlternateContent xmlns:mc="http://schemas.openxmlformats.org/markup-compatibility/2006">
-    <mc:Choice xmlns:p159="http://schemas.microsoft.com/office/powerpoint/2015/09/main" Requires="p159">
+  <mc:AlternateContent xmlns:mc="http://schemas.openxmlformats.org/markup-compatibility/2006" xmlns:p159="http://schemas.microsoft.com/office/powerpoint/2015/09/main">
+    <mc:Choice Requires="p159">
       <p:transition xmlns:p14="http://schemas.microsoft.com/office/powerpoint/2010/main" spd="slow" p14:dur="2000">
         <p159:morph option="byObject"/>
       </p:transition>
     </mc:Choice>
-    <mc:Fallback>
+    <mc:Fallback xmlns="">
       <p:transition spd="slow">
         <p:fade/>
       </p:transition>
@@ -5247,6 +5254,35 @@
       </p:grpSp>
       <p:pic>
         <p:nvPicPr>
+          <p:cNvPr id="8" name="Picture 7">
+            <a:extLst>
+              <a:ext uri="{FF2B5EF4-FFF2-40B4-BE49-F238E27FC236}">
+                <a16:creationId xmlns:a16="http://schemas.microsoft.com/office/drawing/2014/main" id="{CA348678-74C3-4AE4-8E04-F1E4C27FF3E5}"/>
+              </a:ext>
+            </a:extLst>
+          </p:cNvPr>
+          <p:cNvPicPr>
+            <a:picLocks noChangeAspect="1"/>
+          </p:cNvPicPr>
+          <p:nvPr/>
+        </p:nvPicPr>
+        <p:blipFill rotWithShape="1">
+          <a:blip r:embed="rId3"/>
+          <a:srcRect t="13568" r="11650"/>
+          <a:stretch/>
+        </p:blipFill>
+        <p:spPr>
+          <a:xfrm>
+            <a:off x="443640" y="883920"/>
+            <a:ext cx="11063345" cy="5146735"/>
+          </a:xfrm>
+          <a:prstGeom prst="rect">
+            <a:avLst/>
+          </a:prstGeom>
+        </p:spPr>
+      </p:pic>
+      <p:pic>
+        <p:nvPicPr>
           <p:cNvPr id="7" name="Picture 2">
             <a:extLst>
               <a:ext uri="{FF2B5EF4-FFF2-40B4-BE49-F238E27FC236}">
@@ -5260,8 +5296,33 @@
           <p:nvPr/>
         </p:nvPicPr>
         <p:blipFill>
-          <a:blip r:embed="rId3">
-            <a:extLst>
+          <a:blip r:embed="rId4">
+            <a:extLst>
+              <a:ext uri="{BEBA8EAE-BF5A-486C-A8C5-ECC9F3942E4B}">
+                <a14:imgProps xmlns:a14="http://schemas.microsoft.com/office/drawing/2010/main">
+                  <a14:imgLayer r:embed="rId5">
+                    <a14:imgEffect>
+                      <a14:backgroundRemoval t="9644" b="89518" l="6573" r="91469">
+                        <a14:foregroundMark x1="7413" y1="48218" x2="7413" y2="48637"/>
+                        <a14:foregroundMark x1="19580" y1="48637" x2="19580" y2="48637"/>
+                        <a14:foregroundMark x1="25175" y1="46751" x2="25175" y2="46751"/>
+                        <a14:foregroundMark x1="38462" y1="43606" x2="38462" y2="43606"/>
+                        <a14:foregroundMark x1="48671" y1="41929" x2="48671" y2="41929"/>
+                        <a14:foregroundMark x1="52168" y1="49057" x2="52168" y2="49057"/>
+                        <a14:foregroundMark x1="90070" y1="33962" x2="91608" y2="65199"/>
+                        <a14:foregroundMark x1="51469" y1="49476" x2="51469" y2="49476"/>
+                        <a14:foregroundMark x1="48252" y1="51363" x2="48252" y2="52830"/>
+                        <a14:foregroundMark x1="57483" y1="48637" x2="58881" y2="49057"/>
+                        <a14:foregroundMark x1="44196" y1="47379" x2="44056" y2="49895"/>
+                        <a14:foregroundMark x1="27273" y1="44025" x2="26294" y2="45073"/>
+                        <a14:foregroundMark x1="29371" y1="43396" x2="30909" y2="44025"/>
+                        <a14:foregroundMark x1="21538" y1="44654" x2="21678" y2="47170"/>
+                        <a14:foregroundMark x1="6713" y1="46751" x2="6573" y2="50105"/>
+                      </a14:backgroundRemoval>
+                    </a14:imgEffect>
+                  </a14:imgLayer>
+                </a14:imgProps>
+              </a:ext>
               <a:ext uri="{28A0092B-C50C-407E-A947-70E740481C1C}">
                 <a14:useLocalDpi xmlns:a14="http://schemas.microsoft.com/office/drawing/2010/main" val="0"/>
               </a:ext>
@@ -5307,6 +5368,348 @@
 </file>
 
 <file path=ppt/slides/slide7.xml><?xml version="1.0" encoding="utf-8"?>
+<p:sld xmlns:a="http://schemas.openxmlformats.org/drawingml/2006/main" xmlns:r="http://schemas.openxmlformats.org/officeDocument/2006/relationships" xmlns:p="http://schemas.openxmlformats.org/presentationml/2006/main">
+  <p:cSld>
+    <p:spTree>
+      <p:nvGrpSpPr>
+        <p:cNvPr id="1" name=""/>
+        <p:cNvGrpSpPr/>
+        <p:nvPr/>
+      </p:nvGrpSpPr>
+      <p:grpSpPr>
+        <a:xfrm>
+          <a:off x="0" y="0"/>
+          <a:ext cx="0" cy="0"/>
+          <a:chOff x="0" y="0"/>
+          <a:chExt cx="0" cy="0"/>
+        </a:xfrm>
+      </p:grpSpPr>
+      <p:sp>
+        <p:nvSpPr>
+          <p:cNvPr id="2" name="Title 1">
+            <a:extLst>
+              <a:ext uri="{FF2B5EF4-FFF2-40B4-BE49-F238E27FC236}">
+                <a16:creationId xmlns:a16="http://schemas.microsoft.com/office/drawing/2014/main" id="{9C54BA70-8984-4B33-92E7-883C89FCA940}"/>
+              </a:ext>
+            </a:extLst>
+          </p:cNvPr>
+          <p:cNvSpPr>
+            <a:spLocks noGrp="1"/>
+          </p:cNvSpPr>
+          <p:nvPr>
+            <p:ph type="ctrTitle"/>
+          </p:nvPr>
+        </p:nvSpPr>
+        <p:spPr>
+          <a:xfrm>
+            <a:off x="685014" y="75988"/>
+            <a:ext cx="9144000" cy="2387600"/>
+          </a:xfrm>
+        </p:spPr>
+        <p:txBody>
+          <a:bodyPr/>
+          <a:lstStyle/>
+          <a:p>
+            <a:r>
+              <a:rPr lang="en-US" dirty="0"/>
+              <a:t>G06</a:t>
+            </a:r>
+          </a:p>
+        </p:txBody>
+      </p:sp>
+      <p:pic>
+        <p:nvPicPr>
+          <p:cNvPr id="1026" name="Picture 2" descr="มาเจาะลึกพฤติกรรมคนไทย กับการดู Youtube  เดี๋ยวนี้คนดูวิดีโอออนไลน์มากกว่าทีวี... แล้วยังไงต่อ? | Brand Inside">
+            <a:extLst>
+              <a:ext uri="{FF2B5EF4-FFF2-40B4-BE49-F238E27FC236}">
+                <a16:creationId xmlns:a16="http://schemas.microsoft.com/office/drawing/2014/main" id="{31AD508C-33AE-4A39-A384-1D87001CA277}"/>
+              </a:ext>
+            </a:extLst>
+          </p:cNvPr>
+          <p:cNvPicPr>
+            <a:picLocks noChangeAspect="1" noChangeArrowheads="1"/>
+          </p:cNvPicPr>
+          <p:nvPr/>
+        </p:nvPicPr>
+        <p:blipFill>
+          <a:blip r:embed="rId2">
+            <a:extLst>
+              <a:ext uri="{28A0092B-C50C-407E-A947-70E740481C1C}">
+                <a14:useLocalDpi xmlns:a14="http://schemas.microsoft.com/office/drawing/2010/main" val="0"/>
+              </a:ext>
+            </a:extLst>
+          </a:blip>
+          <a:srcRect/>
+          <a:stretch>
+            <a:fillRect/>
+          </a:stretch>
+        </p:blipFill>
+        <p:spPr bwMode="auto">
+          <a:xfrm>
+            <a:off x="1857080" y="1483674"/>
+            <a:ext cx="7362825" cy="4581525"/>
+          </a:xfrm>
+          <a:prstGeom prst="rect">
+            <a:avLst/>
+          </a:prstGeom>
+          <a:noFill/>
+          <a:extLst>
+            <a:ext uri="{909E8E84-426E-40DD-AFC4-6F175D3DCCD1}">
+              <a14:hiddenFill xmlns:a14="http://schemas.microsoft.com/office/drawing/2010/main">
+                <a:solidFill>
+                  <a:srgbClr val="FFFFFF"/>
+                </a:solidFill>
+              </a14:hiddenFill>
+            </a:ext>
+          </a:extLst>
+        </p:spPr>
+      </p:pic>
+      <p:grpSp>
+        <p:nvGrpSpPr>
+          <p:cNvPr id="3" name="Group 2">
+            <a:extLst>
+              <a:ext uri="{FF2B5EF4-FFF2-40B4-BE49-F238E27FC236}">
+                <a16:creationId xmlns:a16="http://schemas.microsoft.com/office/drawing/2014/main" id="{231A7623-2B6F-421F-BD54-D76F97F5A657}"/>
+              </a:ext>
+            </a:extLst>
+          </p:cNvPr>
+          <p:cNvGrpSpPr/>
+          <p:nvPr/>
+        </p:nvGrpSpPr>
+        <p:grpSpPr>
+          <a:xfrm>
+            <a:off x="-414779" y="-103695"/>
+            <a:ext cx="12829880" cy="7599193"/>
+            <a:chOff x="-414779" y="-103695"/>
+            <a:chExt cx="12829880" cy="7599193"/>
+          </a:xfrm>
+        </p:grpSpPr>
+        <p:sp>
+          <p:nvSpPr>
+            <p:cNvPr id="4" name="Rectangle 3">
+              <a:extLst>
+                <a:ext uri="{FF2B5EF4-FFF2-40B4-BE49-F238E27FC236}">
+                  <a16:creationId xmlns:a16="http://schemas.microsoft.com/office/drawing/2014/main" id="{EDB49D53-02F3-49FB-AA81-6BC7BE67178C}"/>
+                </a:ext>
+              </a:extLst>
+            </p:cNvPr>
+            <p:cNvSpPr/>
+            <p:nvPr/>
+          </p:nvSpPr>
+          <p:spPr>
+            <a:xfrm>
+              <a:off x="-414779" y="-103695"/>
+              <a:ext cx="12829880" cy="7107810"/>
+            </a:xfrm>
+            <a:prstGeom prst="rect">
+              <a:avLst/>
+            </a:prstGeom>
+            <a:solidFill>
+              <a:srgbClr val="C00000"/>
+            </a:solidFill>
+            <a:ln>
+              <a:noFill/>
+            </a:ln>
+          </p:spPr>
+          <p:style>
+            <a:lnRef idx="0">
+              <a:scrgbClr r="0" g="0" b="0"/>
+            </a:lnRef>
+            <a:fillRef idx="0">
+              <a:scrgbClr r="0" g="0" b="0"/>
+            </a:fillRef>
+            <a:effectRef idx="0">
+              <a:scrgbClr r="0" g="0" b="0"/>
+            </a:effectRef>
+            <a:fontRef idx="minor">
+              <a:schemeClr val="lt1"/>
+            </a:fontRef>
+          </p:style>
+          <p:txBody>
+            <a:bodyPr rtlCol="0" anchor="ctr"/>
+            <a:lstStyle/>
+            <a:p>
+              <a:pPr algn="ctr"/>
+              <a:endParaRPr lang="en-US"/>
+            </a:p>
+          </p:txBody>
+        </p:sp>
+        <p:sp>
+          <p:nvSpPr>
+            <p:cNvPr id="6" name="Rectangle 5">
+              <a:extLst>
+                <a:ext uri="{FF2B5EF4-FFF2-40B4-BE49-F238E27FC236}">
+                  <a16:creationId xmlns:a16="http://schemas.microsoft.com/office/drawing/2014/main" id="{AC156603-D8EB-4F1D-AED6-B7A73D4BA644}"/>
+                </a:ext>
+              </a:extLst>
+            </p:cNvPr>
+            <p:cNvSpPr/>
+            <p:nvPr/>
+          </p:nvSpPr>
+          <p:spPr>
+            <a:xfrm>
+              <a:off x="-414779" y="387688"/>
+              <a:ext cx="12829880" cy="7107810"/>
+            </a:xfrm>
+            <a:prstGeom prst="rect">
+              <a:avLst/>
+            </a:prstGeom>
+            <a:solidFill>
+              <a:schemeClr val="bg1"/>
+            </a:solidFill>
+            <a:ln>
+              <a:noFill/>
+            </a:ln>
+          </p:spPr>
+          <p:style>
+            <a:lnRef idx="0">
+              <a:scrgbClr r="0" g="0" b="0"/>
+            </a:lnRef>
+            <a:fillRef idx="0">
+              <a:scrgbClr r="0" g="0" b="0"/>
+            </a:fillRef>
+            <a:effectRef idx="0">
+              <a:scrgbClr r="0" g="0" b="0"/>
+            </a:effectRef>
+            <a:fontRef idx="minor">
+              <a:schemeClr val="lt1"/>
+            </a:fontRef>
+          </p:style>
+          <p:txBody>
+            <a:bodyPr rtlCol="0" anchor="ctr"/>
+            <a:lstStyle/>
+            <a:p>
+              <a:pPr algn="ctr"/>
+              <a:endParaRPr lang="en-US"/>
+            </a:p>
+          </p:txBody>
+        </p:sp>
+      </p:grpSp>
+      <p:pic>
+        <p:nvPicPr>
+          <p:cNvPr id="8" name="Picture 7">
+            <a:extLst>
+              <a:ext uri="{FF2B5EF4-FFF2-40B4-BE49-F238E27FC236}">
+                <a16:creationId xmlns:a16="http://schemas.microsoft.com/office/drawing/2014/main" id="{CA348678-74C3-4AE4-8E04-F1E4C27FF3E5}"/>
+              </a:ext>
+            </a:extLst>
+          </p:cNvPr>
+          <p:cNvPicPr>
+            <a:picLocks noChangeAspect="1"/>
+          </p:cNvPicPr>
+          <p:nvPr/>
+        </p:nvPicPr>
+        <p:blipFill rotWithShape="1">
+          <a:blip r:embed="rId3"/>
+          <a:srcRect l="4206" t="83828" r="72661" b="7285"/>
+          <a:stretch/>
+        </p:blipFill>
+        <p:spPr>
+          <a:xfrm>
+            <a:off x="2486490" y="2900190"/>
+            <a:ext cx="7219019" cy="1318768"/>
+          </a:xfrm>
+          <a:prstGeom prst="rect">
+            <a:avLst/>
+          </a:prstGeom>
+        </p:spPr>
+      </p:pic>
+      <p:pic>
+        <p:nvPicPr>
+          <p:cNvPr id="7" name="Picture 2">
+            <a:extLst>
+              <a:ext uri="{FF2B5EF4-FFF2-40B4-BE49-F238E27FC236}">
+                <a16:creationId xmlns:a16="http://schemas.microsoft.com/office/drawing/2014/main" id="{2577F9DF-8D0A-40DF-AF05-0B0793F26CCB}"/>
+              </a:ext>
+            </a:extLst>
+          </p:cNvPr>
+          <p:cNvPicPr>
+            <a:picLocks noChangeAspect="1" noChangeArrowheads="1"/>
+          </p:cNvPicPr>
+          <p:nvPr/>
+        </p:nvPicPr>
+        <p:blipFill>
+          <a:blip r:embed="rId4">
+            <a:extLst>
+              <a:ext uri="{BEBA8EAE-BF5A-486C-A8C5-ECC9F3942E4B}">
+                <a14:imgProps xmlns:a14="http://schemas.microsoft.com/office/drawing/2010/main">
+                  <a14:imgLayer r:embed="rId5">
+                    <a14:imgEffect>
+                      <a14:backgroundRemoval t="9644" b="89518" l="6573" r="91469">
+                        <a14:foregroundMark x1="7413" y1="48218" x2="7413" y2="48637"/>
+                        <a14:foregroundMark x1="19580" y1="48637" x2="19580" y2="48637"/>
+                        <a14:foregroundMark x1="25175" y1="46751" x2="25175" y2="46751"/>
+                        <a14:foregroundMark x1="38462" y1="43606" x2="38462" y2="43606"/>
+                        <a14:foregroundMark x1="48671" y1="41929" x2="48671" y2="41929"/>
+                        <a14:foregroundMark x1="52168" y1="49057" x2="52168" y2="49057"/>
+                        <a14:foregroundMark x1="90070" y1="33962" x2="91608" y2="65199"/>
+                        <a14:foregroundMark x1="51469" y1="49476" x2="51469" y2="49476"/>
+                        <a14:foregroundMark x1="48252" y1="51363" x2="48252" y2="52830"/>
+                        <a14:foregroundMark x1="57483" y1="48637" x2="58881" y2="49057"/>
+                        <a14:foregroundMark x1="44196" y1="47379" x2="44056" y2="49895"/>
+                        <a14:foregroundMark x1="27273" y1="44025" x2="26294" y2="45073"/>
+                        <a14:foregroundMark x1="29371" y1="43396" x2="30909" y2="44025"/>
+                        <a14:foregroundMark x1="21538" y1="44654" x2="21678" y2="47170"/>
+                        <a14:foregroundMark x1="6713" y1="46751" x2="6573" y2="50105"/>
+                      </a14:backgroundRemoval>
+                    </a14:imgEffect>
+                  </a14:imgLayer>
+                </a14:imgProps>
+              </a:ext>
+              <a:ext uri="{28A0092B-C50C-407E-A947-70E740481C1C}">
+                <a14:useLocalDpi xmlns:a14="http://schemas.microsoft.com/office/drawing/2010/main" val="0"/>
+              </a:ext>
+            </a:extLst>
+          </a:blip>
+          <a:srcRect/>
+          <a:stretch/>
+        </p:blipFill>
+        <p:spPr bwMode="auto">
+          <a:xfrm>
+            <a:off x="443640" y="5210967"/>
+            <a:ext cx="2528455" cy="1686815"/>
+          </a:xfrm>
+          <a:prstGeom prst="rect">
+            <a:avLst/>
+          </a:prstGeom>
+          <a:noFill/>
+          <a:extLst>
+            <a:ext uri="{909E8E84-426E-40DD-AFC4-6F175D3DCCD1}">
+              <a14:hiddenFill xmlns:a14="http://schemas.microsoft.com/office/drawing/2010/main">
+                <a:solidFill>
+                  <a:srgbClr val="FFFFFF"/>
+                </a:solidFill>
+              </a14:hiddenFill>
+            </a:ext>
+          </a:extLst>
+        </p:spPr>
+      </p:pic>
+    </p:spTree>
+    <p:extLst>
+      <p:ext uri="{BB962C8B-B14F-4D97-AF65-F5344CB8AC3E}">
+        <p14:creationId xmlns:p14="http://schemas.microsoft.com/office/powerpoint/2010/main" val="1664298330"/>
+      </p:ext>
+    </p:extLst>
+  </p:cSld>
+  <p:clrMapOvr>
+    <a:masterClrMapping/>
+  </p:clrMapOvr>
+  <mc:AlternateContent xmlns:mc="http://schemas.openxmlformats.org/markup-compatibility/2006">
+    <mc:Choice xmlns:p159="http://schemas.microsoft.com/office/powerpoint/2015/09/main" Requires="p159">
+      <p:transition xmlns:p14="http://schemas.microsoft.com/office/powerpoint/2010/main" spd="slow" p14:dur="2000">
+        <p159:morph option="byObject"/>
+      </p:transition>
+    </mc:Choice>
+    <mc:Fallback>
+      <p:transition spd="slow">
+        <p:fade/>
+      </p:transition>
+    </mc:Fallback>
+  </mc:AlternateContent>
+</p:sld>
+</file>
+
+<file path=ppt/slides/slide8.xml><?xml version="1.0" encoding="utf-8"?>
 <p:sld xmlns:a="http://schemas.openxmlformats.org/drawingml/2006/main" xmlns:r="http://schemas.openxmlformats.org/officeDocument/2006/relationships" xmlns:p="http://schemas.openxmlformats.org/presentationml/2006/main">
   <p:cSld>
     <p:spTree>
@@ -5581,18 +5984,329 @@
   <p:clrMapOvr>
     <a:masterClrMapping/>
   </p:clrMapOvr>
-  <mc:AlternateContent xmlns:mc="http://schemas.openxmlformats.org/markup-compatibility/2006">
-    <mc:Choice xmlns:p159="http://schemas.microsoft.com/office/powerpoint/2015/09/main" Requires="p159">
+  <mc:AlternateContent xmlns:mc="http://schemas.openxmlformats.org/markup-compatibility/2006" xmlns:p159="http://schemas.microsoft.com/office/powerpoint/2015/09/main">
+    <mc:Choice Requires="p159">
       <p:transition xmlns:p14="http://schemas.microsoft.com/office/powerpoint/2010/main" spd="slow" p14:dur="2000">
         <p159:morph option="byObject"/>
       </p:transition>
     </mc:Choice>
-    <mc:Fallback>
+    <mc:Fallback xmlns="">
       <p:transition spd="slow">
         <p:fade/>
       </p:transition>
     </mc:Fallback>
   </mc:AlternateContent>
+</p:sld>
+</file>
+
+<file path=ppt/slides/slide9.xml><?xml version="1.0" encoding="utf-8"?>
+<p:sld xmlns:a="http://schemas.openxmlformats.org/drawingml/2006/main" xmlns:r="http://schemas.openxmlformats.org/officeDocument/2006/relationships" xmlns:p="http://schemas.openxmlformats.org/presentationml/2006/main">
+  <p:cSld>
+    <p:spTree>
+      <p:nvGrpSpPr>
+        <p:cNvPr id="1" name=""/>
+        <p:cNvGrpSpPr/>
+        <p:nvPr/>
+      </p:nvGrpSpPr>
+      <p:grpSpPr>
+        <a:xfrm>
+          <a:off x="0" y="0"/>
+          <a:ext cx="0" cy="0"/>
+          <a:chOff x="0" y="0"/>
+          <a:chExt cx="0" cy="0"/>
+        </a:xfrm>
+      </p:grpSpPr>
+      <p:sp>
+        <p:nvSpPr>
+          <p:cNvPr id="2" name="Title 1">
+            <a:extLst>
+              <a:ext uri="{FF2B5EF4-FFF2-40B4-BE49-F238E27FC236}">
+                <a16:creationId xmlns:a16="http://schemas.microsoft.com/office/drawing/2014/main" id="{9C54BA70-8984-4B33-92E7-883C89FCA940}"/>
+              </a:ext>
+            </a:extLst>
+          </p:cNvPr>
+          <p:cNvSpPr>
+            <a:spLocks noGrp="1"/>
+          </p:cNvSpPr>
+          <p:nvPr>
+            <p:ph type="ctrTitle"/>
+          </p:nvPr>
+        </p:nvSpPr>
+        <p:spPr>
+          <a:xfrm>
+            <a:off x="685014" y="75988"/>
+            <a:ext cx="9144000" cy="2387600"/>
+          </a:xfrm>
+        </p:spPr>
+        <p:txBody>
+          <a:bodyPr/>
+          <a:lstStyle/>
+          <a:p>
+            <a:r>
+              <a:rPr lang="en-US" dirty="0"/>
+              <a:t>G06</a:t>
+            </a:r>
+          </a:p>
+        </p:txBody>
+      </p:sp>
+      <p:pic>
+        <p:nvPicPr>
+          <p:cNvPr id="1026" name="Picture 2" descr="มาเจาะลึกพฤติกรรมคนไทย กับการดู Youtube  เดี๋ยวนี้คนดูวิดีโอออนไลน์มากกว่าทีวี... แล้วยังไงต่อ? | Brand Inside">
+            <a:extLst>
+              <a:ext uri="{FF2B5EF4-FFF2-40B4-BE49-F238E27FC236}">
+                <a16:creationId xmlns:a16="http://schemas.microsoft.com/office/drawing/2014/main" id="{31AD508C-33AE-4A39-A384-1D87001CA277}"/>
+              </a:ext>
+            </a:extLst>
+          </p:cNvPr>
+          <p:cNvPicPr>
+            <a:picLocks noChangeAspect="1" noChangeArrowheads="1"/>
+          </p:cNvPicPr>
+          <p:nvPr/>
+        </p:nvPicPr>
+        <p:blipFill>
+          <a:blip r:embed="rId2">
+            <a:extLst>
+              <a:ext uri="{28A0092B-C50C-407E-A947-70E740481C1C}">
+                <a14:useLocalDpi xmlns:a14="http://schemas.microsoft.com/office/drawing/2010/main" val="0"/>
+              </a:ext>
+            </a:extLst>
+          </a:blip>
+          <a:srcRect/>
+          <a:stretch>
+            <a:fillRect/>
+          </a:stretch>
+        </p:blipFill>
+        <p:spPr bwMode="auto">
+          <a:xfrm>
+            <a:off x="1857080" y="1483674"/>
+            <a:ext cx="7362825" cy="4581525"/>
+          </a:xfrm>
+          <a:prstGeom prst="rect">
+            <a:avLst/>
+          </a:prstGeom>
+          <a:noFill/>
+          <a:extLst>
+            <a:ext uri="{909E8E84-426E-40DD-AFC4-6F175D3DCCD1}">
+              <a14:hiddenFill xmlns:a14="http://schemas.microsoft.com/office/drawing/2010/main">
+                <a:solidFill>
+                  <a:srgbClr val="FFFFFF"/>
+                </a:solidFill>
+              </a14:hiddenFill>
+            </a:ext>
+          </a:extLst>
+        </p:spPr>
+      </p:pic>
+      <p:grpSp>
+        <p:nvGrpSpPr>
+          <p:cNvPr id="3" name="Group 2">
+            <a:extLst>
+              <a:ext uri="{FF2B5EF4-FFF2-40B4-BE49-F238E27FC236}">
+                <a16:creationId xmlns:a16="http://schemas.microsoft.com/office/drawing/2014/main" id="{231A7623-2B6F-421F-BD54-D76F97F5A657}"/>
+              </a:ext>
+            </a:extLst>
+          </p:cNvPr>
+          <p:cNvGrpSpPr/>
+          <p:nvPr/>
+        </p:nvGrpSpPr>
+        <p:grpSpPr>
+          <a:xfrm>
+            <a:off x="-414779" y="-103695"/>
+            <a:ext cx="12829880" cy="7599193"/>
+            <a:chOff x="-414779" y="-103695"/>
+            <a:chExt cx="12829880" cy="7599193"/>
+          </a:xfrm>
+        </p:grpSpPr>
+        <p:sp>
+          <p:nvSpPr>
+            <p:cNvPr id="4" name="Rectangle 3">
+              <a:extLst>
+                <a:ext uri="{FF2B5EF4-FFF2-40B4-BE49-F238E27FC236}">
+                  <a16:creationId xmlns:a16="http://schemas.microsoft.com/office/drawing/2014/main" id="{EDB49D53-02F3-49FB-AA81-6BC7BE67178C}"/>
+                </a:ext>
+              </a:extLst>
+            </p:cNvPr>
+            <p:cNvSpPr/>
+            <p:nvPr/>
+          </p:nvSpPr>
+          <p:spPr>
+            <a:xfrm>
+              <a:off x="-414779" y="-103695"/>
+              <a:ext cx="12829880" cy="7107810"/>
+            </a:xfrm>
+            <a:prstGeom prst="rect">
+              <a:avLst/>
+            </a:prstGeom>
+            <a:solidFill>
+              <a:srgbClr val="C00000"/>
+            </a:solidFill>
+            <a:ln>
+              <a:noFill/>
+            </a:ln>
+          </p:spPr>
+          <p:style>
+            <a:lnRef idx="0">
+              <a:scrgbClr r="0" g="0" b="0"/>
+            </a:lnRef>
+            <a:fillRef idx="0">
+              <a:scrgbClr r="0" g="0" b="0"/>
+            </a:fillRef>
+            <a:effectRef idx="0">
+              <a:scrgbClr r="0" g="0" b="0"/>
+            </a:effectRef>
+            <a:fontRef idx="minor">
+              <a:schemeClr val="lt1"/>
+            </a:fontRef>
+          </p:style>
+          <p:txBody>
+            <a:bodyPr rtlCol="0" anchor="ctr"/>
+            <a:lstStyle/>
+            <a:p>
+              <a:pPr algn="ctr"/>
+              <a:endParaRPr lang="en-US"/>
+            </a:p>
+          </p:txBody>
+        </p:sp>
+        <p:sp>
+          <p:nvSpPr>
+            <p:cNvPr id="6" name="Rectangle 5">
+              <a:extLst>
+                <a:ext uri="{FF2B5EF4-FFF2-40B4-BE49-F238E27FC236}">
+                  <a16:creationId xmlns:a16="http://schemas.microsoft.com/office/drawing/2014/main" id="{AC156603-D8EB-4F1D-AED6-B7A73D4BA644}"/>
+                </a:ext>
+              </a:extLst>
+            </p:cNvPr>
+            <p:cNvSpPr/>
+            <p:nvPr/>
+          </p:nvSpPr>
+          <p:spPr>
+            <a:xfrm>
+              <a:off x="-414779" y="387688"/>
+              <a:ext cx="12829880" cy="7107810"/>
+            </a:xfrm>
+            <a:prstGeom prst="rect">
+              <a:avLst/>
+            </a:prstGeom>
+            <a:solidFill>
+              <a:schemeClr val="bg1"/>
+            </a:solidFill>
+            <a:ln>
+              <a:noFill/>
+            </a:ln>
+          </p:spPr>
+          <p:style>
+            <a:lnRef idx="0">
+              <a:scrgbClr r="0" g="0" b="0"/>
+            </a:lnRef>
+            <a:fillRef idx="0">
+              <a:scrgbClr r="0" g="0" b="0"/>
+            </a:fillRef>
+            <a:effectRef idx="0">
+              <a:scrgbClr r="0" g="0" b="0"/>
+            </a:effectRef>
+            <a:fontRef idx="minor">
+              <a:schemeClr val="lt1"/>
+            </a:fontRef>
+          </p:style>
+          <p:txBody>
+            <a:bodyPr rtlCol="0" anchor="ctr"/>
+            <a:lstStyle/>
+            <a:p>
+              <a:pPr algn="ctr"/>
+              <a:endParaRPr lang="en-US"/>
+            </a:p>
+          </p:txBody>
+        </p:sp>
+      </p:grpSp>
+      <p:pic>
+        <p:nvPicPr>
+          <p:cNvPr id="7" name="Picture 2" descr="มาเจาะลึกพฤติกรรมคนไทย กับการดู Youtube  เดี๋ยวนี้คนดูวิดีโอออนไลน์มากกว่าทีวี... แล้วยังไงต่อ? | Brand Inside">
+            <a:extLst>
+              <a:ext uri="{FF2B5EF4-FFF2-40B4-BE49-F238E27FC236}">
+                <a16:creationId xmlns:a16="http://schemas.microsoft.com/office/drawing/2014/main" id="{2577F9DF-8D0A-40DF-AF05-0B0793F26CCB}"/>
+              </a:ext>
+            </a:extLst>
+          </p:cNvPr>
+          <p:cNvPicPr>
+            <a:picLocks noChangeAspect="1" noChangeArrowheads="1"/>
+          </p:cNvPicPr>
+          <p:nvPr/>
+        </p:nvPicPr>
+        <p:blipFill>
+          <a:blip r:embed="rId2">
+            <a:extLst>
+              <a:ext uri="{28A0092B-C50C-407E-A947-70E740481C1C}">
+                <a14:useLocalDpi xmlns:a14="http://schemas.microsoft.com/office/drawing/2010/main" val="0"/>
+              </a:ext>
+            </a:extLst>
+          </a:blip>
+          <a:srcRect/>
+          <a:stretch>
+            <a:fillRect/>
+          </a:stretch>
+        </p:blipFill>
+        <p:spPr bwMode="auto">
+          <a:xfrm>
+            <a:off x="556355" y="5099682"/>
+            <a:ext cx="2341338" cy="1456900"/>
+          </a:xfrm>
+          <a:prstGeom prst="rect">
+            <a:avLst/>
+          </a:prstGeom>
+          <a:noFill/>
+          <a:extLst>
+            <a:ext uri="{909E8E84-426E-40DD-AFC4-6F175D3DCCD1}">
+              <a14:hiddenFill xmlns:a14="http://schemas.microsoft.com/office/drawing/2010/main">
+                <a:solidFill>
+                  <a:srgbClr val="FFFFFF"/>
+                </a:solidFill>
+              </a14:hiddenFill>
+            </a:ext>
+          </a:extLst>
+        </p:spPr>
+      </p:pic>
+      <p:pic>
+        <p:nvPicPr>
+          <p:cNvPr id="8" name="Picture 7">
+            <a:extLst>
+              <a:ext uri="{FF2B5EF4-FFF2-40B4-BE49-F238E27FC236}">
+                <a16:creationId xmlns:a16="http://schemas.microsoft.com/office/drawing/2014/main" id="{A366BDF3-231C-4CD4-B5B1-08A89E5A7F09}"/>
+              </a:ext>
+            </a:extLst>
+          </p:cNvPr>
+          <p:cNvPicPr>
+            <a:picLocks noChangeAspect="1"/>
+          </p:cNvPicPr>
+          <p:nvPr/>
+        </p:nvPicPr>
+        <p:blipFill>
+          <a:blip r:embed="rId3"/>
+          <a:stretch>
+            <a:fillRect/>
+          </a:stretch>
+        </p:blipFill>
+        <p:spPr>
+          <a:xfrm>
+            <a:off x="685014" y="992291"/>
+            <a:ext cx="6066933" cy="2890978"/>
+          </a:xfrm>
+          <a:prstGeom prst="rect">
+            <a:avLst/>
+          </a:prstGeom>
+        </p:spPr>
+      </p:pic>
+    </p:spTree>
+    <p:extLst>
+      <p:ext uri="{BB962C8B-B14F-4D97-AF65-F5344CB8AC3E}">
+        <p14:creationId xmlns:p14="http://schemas.microsoft.com/office/powerpoint/2010/main" val="3009438540"/>
+      </p:ext>
+    </p:extLst>
+  </p:cSld>
+  <p:clrMapOvr>
+    <a:masterClrMapping/>
+  </p:clrMapOvr>
+  <p:transition spd="slow">
+    <p:wipe/>
+  </p:transition>
 </p:sld>
 </file>
 
